--- a/MIS612 Project Busn Analysis.pptx
+++ b/MIS612 Project Busn Analysis.pptx
@@ -5,7 +5,7 @@
     <p:sldMasterId id="2147483648" r:id="rId1"/>
   </p:sldMasterIdLst>
   <p:notesMasterIdLst>
-    <p:notesMasterId r:id="rId21"/>
+    <p:notesMasterId r:id="rId20"/>
   </p:notesMasterIdLst>
   <p:sldIdLst>
     <p:sldId id="256" r:id="rId2"/>
@@ -25,8 +25,7 @@
     <p:sldId id="270" r:id="rId16"/>
     <p:sldId id="273" r:id="rId17"/>
     <p:sldId id="274" r:id="rId18"/>
-    <p:sldId id="266" r:id="rId19"/>
-    <p:sldId id="275" r:id="rId20"/>
+    <p:sldId id="275" r:id="rId19"/>
   </p:sldIdLst>
   <p:sldSz cx="12192000" cy="6858000"/>
   <p:notesSz cx="6858000" cy="9144000"/>
@@ -6737,7 +6736,68 @@
           <a:bodyPr/>
           <a:lstStyle/>
           <a:p>
-            <a:endParaRPr lang="en-US"/>
+            <a:r>
+              <a:rPr lang="en-US" dirty="0" smtClean="0"/>
+              <a:t>Pick one app and present findings relative to that app</a:t>
+            </a:r>
+          </a:p>
+          <a:p>
+            <a:r>
+              <a:rPr lang="en-US" dirty="0" smtClean="0"/>
+              <a:t>Market leadership/share</a:t>
+            </a:r>
+          </a:p>
+          <a:p>
+            <a:r>
+              <a:rPr lang="en-US" dirty="0" smtClean="0"/>
+              <a:t>Consumer perceptions</a:t>
+            </a:r>
+          </a:p>
+          <a:p>
+            <a:r>
+              <a:rPr lang="en-US" dirty="0" smtClean="0"/>
+              <a:t>How to improve</a:t>
+            </a:r>
+          </a:p>
+          <a:p>
+            <a:endParaRPr lang="en-US" dirty="0"/>
+          </a:p>
+          <a:p>
+            <a:r>
+              <a:rPr lang="en-US" dirty="0" smtClean="0"/>
+              <a:t>Market Research</a:t>
+            </a:r>
+          </a:p>
+          <a:p>
+            <a:pPr lvl="1"/>
+            <a:r>
+              <a:rPr lang="en-US" dirty="0" smtClean="0"/>
+              <a:t>Consumers</a:t>
+            </a:r>
+          </a:p>
+          <a:p>
+            <a:pPr lvl="1"/>
+            <a:r>
+              <a:rPr lang="en-US" dirty="0" smtClean="0"/>
+              <a:t>Current perceptions</a:t>
+            </a:r>
+          </a:p>
+          <a:p>
+            <a:pPr lvl="1"/>
+            <a:r>
+              <a:rPr lang="en-US" dirty="0" smtClean="0"/>
+              <a:t>Perception trends</a:t>
+            </a:r>
+          </a:p>
+          <a:p>
+            <a:pPr lvl="1"/>
+            <a:r>
+              <a:rPr lang="en-US" dirty="0" smtClean="0"/>
+              <a:t>Competitor ratings</a:t>
+            </a:r>
+          </a:p>
+          <a:p>
+            <a:endParaRPr lang="en-US" dirty="0" smtClean="0"/>
           </a:p>
         </p:txBody>
       </p:sp>
@@ -6806,13 +6866,81 @@
         </p:nvSpPr>
         <p:spPr/>
         <p:txBody>
-          <a:bodyPr/>
+          <a:bodyPr>
+            <a:normAutofit lnSpcReduction="10000"/>
+          </a:bodyPr>
           <a:lstStyle/>
           <a:p>
             <a:r>
               <a:rPr lang="en-US" dirty="0" smtClean="0"/>
               <a:t>It works</a:t>
             </a:r>
+          </a:p>
+          <a:p>
+            <a:r>
+              <a:rPr lang="en-US" dirty="0" smtClean="0"/>
+              <a:t>Easy to use</a:t>
+            </a:r>
+          </a:p>
+          <a:p>
+            <a:r>
+              <a:rPr lang="en-US" dirty="0" smtClean="0"/>
+              <a:t>Platform availability</a:t>
+            </a:r>
+          </a:p>
+          <a:p>
+            <a:r>
+              <a:rPr lang="en-US" dirty="0" smtClean="0"/>
+              <a:t>Selection/Variety</a:t>
+            </a:r>
+          </a:p>
+          <a:p>
+            <a:pPr lvl="1"/>
+            <a:r>
+              <a:rPr lang="en-US" dirty="0" smtClean="0"/>
+              <a:t>music vs. streaming radio vs. podcasts</a:t>
+            </a:r>
+          </a:p>
+          <a:p>
+            <a:pPr lvl="1"/>
+            <a:r>
+              <a:rPr lang="en-US" dirty="0" smtClean="0"/>
+              <a:t>Music variety</a:t>
+            </a:r>
+          </a:p>
+          <a:p>
+            <a:r>
+              <a:rPr lang="en-US" dirty="0" smtClean="0"/>
+              <a:t>Price</a:t>
+            </a:r>
+          </a:p>
+          <a:p>
+            <a:pPr lvl="1"/>
+            <a:r>
+              <a:rPr lang="en-US" dirty="0" smtClean="0"/>
+              <a:t>Free trials</a:t>
+            </a:r>
+          </a:p>
+          <a:p>
+            <a:r>
+              <a:rPr lang="en-US" dirty="0" smtClean="0"/>
+              <a:t>Bandwidth</a:t>
+            </a:r>
+          </a:p>
+          <a:p>
+            <a:r>
+              <a:rPr lang="en-US" dirty="0" smtClean="0"/>
+              <a:t>Music quality</a:t>
+            </a:r>
+          </a:p>
+          <a:p>
+            <a:r>
+              <a:rPr lang="en-US" dirty="0" smtClean="0"/>
+              <a:t>Offline Cache / download</a:t>
+            </a:r>
+          </a:p>
+          <a:p>
+            <a:endParaRPr lang="en-US" dirty="0" smtClean="0"/>
           </a:p>
           <a:p>
             <a:endParaRPr lang="en-US" dirty="0"/>
@@ -7366,6 +7494,43 @@
           </a:fontRef>
         </p:style>
       </p:cxnSp>
+      <p:sp>
+        <p:nvSpPr>
+          <p:cNvPr id="15" name="Rectangle 14"/>
+          <p:cNvSpPr/>
+          <p:nvPr/>
+        </p:nvSpPr>
+        <p:spPr>
+          <a:xfrm>
+            <a:off x="7870890" y="2090334"/>
+            <a:ext cx="646331" cy="646331"/>
+          </a:xfrm>
+          <a:prstGeom prst="rect">
+            <a:avLst/>
+          </a:prstGeom>
+        </p:spPr>
+        <p:txBody>
+          <a:bodyPr wrap="none">
+            <a:spAutoFit/>
+          </a:bodyPr>
+          <a:lstStyle/>
+          <a:p>
+            <a:r>
+              <a:rPr lang="en-US" sz="3600" smtClean="0">
+                <a:solidFill>
+                  <a:srgbClr val="00FA00"/>
+                </a:solidFill>
+              </a:rPr>
+              <a:t>✓</a:t>
+            </a:r>
+            <a:endParaRPr lang="en-US" sz="3600">
+              <a:solidFill>
+                <a:srgbClr val="00FA00"/>
+              </a:solidFill>
+            </a:endParaRPr>
+          </a:p>
+        </p:txBody>
+      </p:sp>
     </p:spTree>
     <p:extLst>
       <p:ext uri="{BB962C8B-B14F-4D97-AF65-F5344CB8AC3E}">
@@ -7711,116 +7876,6 @@
           </a:p>
         </p:txBody>
       </p:sp>
-      <p:sp>
-        <p:nvSpPr>
-          <p:cNvPr id="3" name="Content Placeholder 2"/>
-          <p:cNvSpPr>
-            <a:spLocks noGrp="1"/>
-          </p:cNvSpPr>
-          <p:nvPr>
-            <p:ph idx="1"/>
-          </p:nvPr>
-        </p:nvSpPr>
-        <p:spPr/>
-        <p:txBody>
-          <a:bodyPr numCol="3"/>
-          <a:lstStyle/>
-          <a:p>
-            <a:pPr>
-              <a:buFont typeface="Wingdings" charset="2"/>
-              <a:buChar char="q"/>
-            </a:pPr>
-            <a:r>
-              <a:rPr lang="en-US" dirty="0" smtClean="0"/>
-              <a:t> Research history of streaming music apps </a:t>
-            </a:r>
-          </a:p>
-          <a:p>
-            <a:pPr lvl="1">
-              <a:buFont typeface="Arial" charset="0"/>
-              <a:buChar char="•"/>
-            </a:pPr>
-            <a:r>
-              <a:rPr lang="en-US" dirty="0" smtClean="0"/>
-              <a:t>Who came first?</a:t>
-            </a:r>
-          </a:p>
-          <a:p>
-            <a:pPr lvl="1">
-              <a:buFont typeface="Arial" charset="0"/>
-              <a:buChar char="•"/>
-            </a:pPr>
-            <a:r>
-              <a:rPr lang="en-US" dirty="0" smtClean="0"/>
-              <a:t>What was timeline</a:t>
-            </a:r>
-          </a:p>
-          <a:p>
-            <a:pPr lvl="1">
-              <a:buFont typeface="Arial" charset="0"/>
-              <a:buChar char="•"/>
-            </a:pPr>
-            <a:r>
-              <a:rPr lang="en-US" dirty="0" smtClean="0"/>
-              <a:t>Was there big news/controversy relative to the timeframe of our data?</a:t>
-            </a:r>
-            <a:endParaRPr lang="en-US" dirty="0"/>
-          </a:p>
-        </p:txBody>
-      </p:sp>
-    </p:spTree>
-    <p:extLst>
-      <p:ext uri="{BB962C8B-B14F-4D97-AF65-F5344CB8AC3E}">
-        <p14:creationId xmlns:p14="http://schemas.microsoft.com/office/powerpoint/2010/main" val="166876407"/>
-      </p:ext>
-    </p:extLst>
-  </p:cSld>
-  <p:clrMapOvr>
-    <a:masterClrMapping/>
-  </p:clrMapOvr>
-</p:sld>
-</file>
-
-<file path=ppt/slides/slide19.xml><?xml version="1.0" encoding="utf-8"?>
-<p:sld xmlns:a="http://schemas.openxmlformats.org/drawingml/2006/main" xmlns:r="http://schemas.openxmlformats.org/officeDocument/2006/relationships" xmlns:p="http://schemas.openxmlformats.org/presentationml/2006/main">
-  <p:cSld>
-    <p:spTree>
-      <p:nvGrpSpPr>
-        <p:cNvPr id="1" name=""/>
-        <p:cNvGrpSpPr/>
-        <p:nvPr/>
-      </p:nvGrpSpPr>
-      <p:grpSpPr>
-        <a:xfrm>
-          <a:off x="0" y="0"/>
-          <a:ext cx="0" cy="0"/>
-          <a:chOff x="0" y="0"/>
-          <a:chExt cx="0" cy="0"/>
-        </a:xfrm>
-      </p:grpSpPr>
-      <p:sp>
-        <p:nvSpPr>
-          <p:cNvPr id="2" name="Title 1"/>
-          <p:cNvSpPr>
-            <a:spLocks noGrp="1"/>
-          </p:cNvSpPr>
-          <p:nvPr>
-            <p:ph type="title"/>
-          </p:nvPr>
-        </p:nvSpPr>
-        <p:spPr/>
-        <p:txBody>
-          <a:bodyPr/>
-          <a:lstStyle/>
-          <a:p>
-            <a:r>
-              <a:rPr lang="en-US" dirty="0" smtClean="0"/>
-              <a:t>Next-Steps &amp; Task Assignments</a:t>
-            </a:r>
-            <a:endParaRPr lang="en-US" dirty="0"/>
-          </a:p>
-        </p:txBody>
-      </p:sp>
       <p:graphicFrame>
         <p:nvGraphicFramePr>
           <p:cNvPr id="4" name="Content Placeholder 3"/>
@@ -7831,14 +7886,14 @@
             <p:ph idx="1"/>
             <p:extLst>
               <p:ext uri="{D42A27DB-BD31-4B8C-83A1-F6EECF244321}">
-                <p14:modId xmlns:p14="http://schemas.microsoft.com/office/powerpoint/2010/main" val="740433074"/>
+                <p14:modId xmlns:p14="http://schemas.microsoft.com/office/powerpoint/2010/main" val="1627836786"/>
               </p:ext>
             </p:extLst>
           </p:nvPr>
         </p:nvGraphicFramePr>
         <p:xfrm>
           <a:off x="838200" y="1269999"/>
-          <a:ext cx="10515600" cy="5120640"/>
+          <a:ext cx="10515600" cy="5222241"/>
         </p:xfrm>
         <a:graphic>
           <a:graphicData uri="http://schemas.openxmlformats.org/drawingml/2006/table">
@@ -7852,7 +7907,7 @@
                 <a:gridCol w="2628900"/>
                 <a:gridCol w="2628900"/>
               </a:tblGrid>
-              <a:tr h="4663440">
+              <a:tr h="4765041">
                 <a:tc>
                   <a:txBody>
                     <a:bodyPr/>
@@ -8057,6 +8112,35 @@
                         <a:rPr lang="en-US" b="0" baseline="0" dirty="0" smtClean="0"/>
                         <a:t> analysis</a:t>
                       </a:r>
+                    </a:p>
+                    <a:p>
+                      <a:pPr marL="457200" lvl="1" indent="-171450">
+                        <a:buFont typeface="Arial" charset="0"/>
+                        <a:buChar char="•"/>
+                        <a:tabLst/>
+                      </a:pPr>
+                      <a:r>
+                        <a:rPr lang="en-US" b="0" baseline="0" dirty="0" smtClean="0"/>
+                        <a:t>Identify key words/concepts (if possible)</a:t>
+                      </a:r>
+                    </a:p>
+                    <a:p>
+                      <a:pPr marL="457200" lvl="1" indent="-171450">
+                        <a:buFont typeface="Arial" charset="0"/>
+                        <a:buChar char="•"/>
+                        <a:tabLst/>
+                      </a:pPr>
+                      <a:r>
+                        <a:rPr lang="en-US" b="0" baseline="0" dirty="0" smtClean="0"/>
+                        <a:t>Identify relationships from key words/concepts</a:t>
+                      </a:r>
+                    </a:p>
+                    <a:p>
+                      <a:pPr marL="457200" lvl="1" indent="-171450">
+                        <a:buFont typeface="Arial" charset="0"/>
+                        <a:buChar char="•"/>
+                        <a:tabLst/>
+                      </a:pPr>
                       <a:endParaRPr lang="en-US" b="0" dirty="0" smtClean="0"/>
                     </a:p>
                   </a:txBody>
@@ -8213,6 +8297,10 @@
                     <a:lstStyle/>
                     <a:p>
                       <a:pPr algn="ctr"/>
+                      <a:r>
+                        <a:rPr lang="en-US" b="1" dirty="0" smtClean="0"/>
+                        <a:t>Shashank</a:t>
+                      </a:r>
                       <a:endParaRPr lang="en-US" b="1" dirty="0"/>
                     </a:p>
                   </a:txBody>
@@ -8224,6 +8312,10 @@
                     <a:lstStyle/>
                     <a:p>
                       <a:pPr algn="ctr"/>
+                      <a:r>
+                        <a:rPr lang="en-US" b="1" dirty="0" smtClean="0"/>
+                        <a:t>Drew</a:t>
+                      </a:r>
                       <a:endParaRPr lang="en-US" b="1" dirty="0"/>
                     </a:p>
                   </a:txBody>
@@ -8235,6 +8327,10 @@
                     <a:lstStyle/>
                     <a:p>
                       <a:pPr algn="ctr"/>
+                      <a:r>
+                        <a:rPr lang="en-US" b="1" dirty="0" err="1" smtClean="0"/>
+                        <a:t>Faiz</a:t>
+                      </a:r>
                       <a:endParaRPr lang="en-US" b="1" dirty="0"/>
                     </a:p>
                   </a:txBody>
@@ -8246,6 +8342,10 @@
                     <a:lstStyle/>
                     <a:p>
                       <a:pPr algn="ctr"/>
+                      <a:r>
+                        <a:rPr lang="en-US" b="1" dirty="0" smtClean="0"/>
+                        <a:t>Alex</a:t>
+                      </a:r>
                       <a:endParaRPr lang="en-US" b="1" dirty="0"/>
                     </a:p>
                   </a:txBody>
@@ -8549,7 +8649,7 @@
             <p:ph idx="1"/>
             <p:extLst>
               <p:ext uri="{D42A27DB-BD31-4B8C-83A1-F6EECF244321}">
-                <p14:modId xmlns:p14="http://schemas.microsoft.com/office/powerpoint/2010/main" val="1717748836"/>
+                <p14:modId xmlns:p14="http://schemas.microsoft.com/office/powerpoint/2010/main" val="10306810"/>
               </p:ext>
             </p:extLst>
           </p:nvPr>
@@ -8626,6 +8726,55 @@
                         <a:buFont typeface="Arial" charset="0"/>
                         <a:buChar char="•"/>
                       </a:pPr>
+                      <a:r>
+                        <a:rPr lang="en-US" dirty="0" smtClean="0"/>
+                        <a:t>prime tie-in; </a:t>
+                      </a:r>
+                    </a:p>
+                    <a:p>
+                      <a:pPr marL="285750" indent="-285750">
+                        <a:buFont typeface="Arial" charset="0"/>
+                        <a:buChar char="•"/>
+                      </a:pPr>
+                      <a:r>
+                        <a:rPr lang="en-US" dirty="0" smtClean="0"/>
+                        <a:t>Streaming</a:t>
+                      </a:r>
+                      <a:r>
+                        <a:rPr lang="en-US" baseline="0" dirty="0" smtClean="0"/>
+                        <a:t> music</a:t>
+                      </a:r>
+                      <a:endParaRPr lang="en-US" dirty="0" smtClean="0"/>
+                    </a:p>
+                    <a:p>
+                      <a:pPr marL="285750" indent="-285750">
+                        <a:buFont typeface="Arial" charset="0"/>
+                        <a:buChar char="•"/>
+                      </a:pPr>
+                      <a:r>
+                        <a:rPr lang="en-US" dirty="0" smtClean="0"/>
+                        <a:t>Purchase/own</a:t>
+                      </a:r>
+                      <a:r>
+                        <a:rPr lang="en-US" baseline="0" dirty="0" smtClean="0"/>
+                        <a:t>/</a:t>
+                      </a:r>
+                      <a:r>
+                        <a:rPr lang="en-US" dirty="0" smtClean="0"/>
+                        <a:t>store</a:t>
+                      </a:r>
+                      <a:r>
+                        <a:rPr lang="en-US" baseline="0" dirty="0" smtClean="0"/>
+                        <a:t> </a:t>
+                      </a:r>
+                      <a:r>
+                        <a:rPr lang="en-US" dirty="0" smtClean="0"/>
+                        <a:t>/ non-</a:t>
+                      </a:r>
+                      <a:r>
+                        <a:rPr lang="en-US" dirty="0" err="1" smtClean="0"/>
+                        <a:t>drm</a:t>
+                      </a:r>
                       <a:endParaRPr lang="en-US" dirty="0"/>
                     </a:p>
                   </a:txBody>
@@ -8651,6 +8800,52 @@
                   <a:txBody>
                     <a:bodyPr/>
                     <a:lstStyle/>
+                    <a:p>
+                      <a:pPr marL="285750" marR="0" indent="-285750" algn="l" defTabSz="914400" rtl="0" eaLnBrk="1" fontAlgn="auto" latinLnBrk="0" hangingPunct="1">
+                        <a:lnSpc>
+                          <a:spcPct val="100000"/>
+                        </a:lnSpc>
+                        <a:spcBef>
+                          <a:spcPts val="0"/>
+                        </a:spcBef>
+                        <a:spcAft>
+                          <a:spcPts val="0"/>
+                        </a:spcAft>
+                        <a:buClrTx/>
+                        <a:buSzTx/>
+                        <a:buFont typeface="Arial" charset="0"/>
+                        <a:buChar char="•"/>
+                        <a:tabLst/>
+                        <a:defRPr/>
+                      </a:pPr>
+                      <a:r>
+                        <a:rPr lang="en-US" dirty="0" smtClean="0"/>
+                        <a:t>virtual radio </a:t>
+                      </a:r>
+                    </a:p>
+                    <a:p>
+                      <a:pPr marL="285750" marR="0" indent="-285750" algn="l" defTabSz="914400" rtl="0" eaLnBrk="1" fontAlgn="auto" latinLnBrk="0" hangingPunct="1">
+                        <a:lnSpc>
+                          <a:spcPct val="100000"/>
+                        </a:lnSpc>
+                        <a:spcBef>
+                          <a:spcPts val="0"/>
+                        </a:spcBef>
+                        <a:spcAft>
+                          <a:spcPts val="0"/>
+                        </a:spcAft>
+                        <a:buClrTx/>
+                        <a:buSzTx/>
+                        <a:buFont typeface="Arial" charset="0"/>
+                        <a:buChar char="•"/>
+                        <a:tabLst/>
+                        <a:defRPr/>
+                      </a:pPr>
+                      <a:r>
+                        <a:rPr lang="en-US" dirty="0" smtClean="0"/>
+                        <a:t>recommendations</a:t>
+                      </a:r>
+                    </a:p>
                     <a:p>
                       <a:pPr marL="285750" indent="-285750">
                         <a:buFont typeface="Arial" charset="0"/>
@@ -8686,6 +8881,20 @@
                         <a:buFont typeface="Arial" charset="0"/>
                         <a:buChar char="•"/>
                       </a:pPr>
+                      <a:r>
+                        <a:rPr lang="en-US" dirty="0" smtClean="0"/>
+                        <a:t>Automated</a:t>
+                      </a:r>
+                      <a:r>
+                        <a:rPr lang="en-US" baseline="0" dirty="0" smtClean="0"/>
+                        <a:t> music discovery</a:t>
+                      </a:r>
+                    </a:p>
+                    <a:p>
+                      <a:pPr marL="285750" indent="-285750">
+                        <a:buFont typeface="Arial" charset="0"/>
+                        <a:buChar char="•"/>
+                      </a:pPr>
                       <a:endParaRPr lang="en-US" dirty="0"/>
                     </a:p>
                   </a:txBody>
@@ -8712,6 +8921,30 @@
                     <a:bodyPr/>
                     <a:lstStyle/>
                     <a:p>
+                      <a:pPr marL="285750" marR="0" indent="-285750" algn="l" defTabSz="914400" rtl="0" eaLnBrk="1" fontAlgn="auto" latinLnBrk="0" hangingPunct="1">
+                        <a:lnSpc>
+                          <a:spcPct val="100000"/>
+                        </a:lnSpc>
+                        <a:spcBef>
+                          <a:spcPts val="0"/>
+                        </a:spcBef>
+                        <a:spcAft>
+                          <a:spcPts val="0"/>
+                        </a:spcAft>
+                        <a:buClrTx/>
+                        <a:buSzTx/>
+                        <a:buFont typeface="Arial" charset="0"/>
+                        <a:buChar char="•"/>
+                        <a:tabLst/>
+                        <a:defRPr/>
+                      </a:pPr>
+                      <a:r>
+                        <a:rPr lang="en-US" baseline="0" dirty="0" smtClean="0"/>
+                        <a:t>social music discovery</a:t>
+                      </a:r>
+                      <a:endParaRPr lang="en-US" dirty="0" smtClean="0"/>
+                    </a:p>
+                    <a:p>
                       <a:pPr marL="285750" indent="-285750">
                         <a:buFont typeface="Arial" charset="0"/>
                         <a:buChar char="•"/>
@@ -8726,6 +8959,36 @@
           </a:graphicData>
         </a:graphic>
       </p:graphicFrame>
+      <p:sp>
+        <p:nvSpPr>
+          <p:cNvPr id="5" name="TextBox 4"/>
+          <p:cNvSpPr txBox="1"/>
+          <p:nvPr/>
+        </p:nvSpPr>
+        <p:spPr>
+          <a:xfrm>
+            <a:off x="1175657" y="6283234"/>
+            <a:ext cx="2338252" cy="369332"/>
+          </a:xfrm>
+          <a:prstGeom prst="rect">
+            <a:avLst/>
+          </a:prstGeom>
+          <a:noFill/>
+        </p:spPr>
+        <p:txBody>
+          <a:bodyPr wrap="square" rtlCol="0">
+            <a:spAutoFit/>
+          </a:bodyPr>
+          <a:lstStyle/>
+          <a:p>
+            <a:r>
+              <a:rPr lang="en-US" dirty="0" smtClean="0"/>
+              <a:t>Geo availability</a:t>
+            </a:r>
+            <a:endParaRPr lang="en-US" dirty="0"/>
+          </a:p>
+        </p:txBody>
+      </p:sp>
     </p:spTree>
     <p:extLst>
       <p:ext uri="{BB962C8B-B14F-4D97-AF65-F5344CB8AC3E}">
@@ -9033,7 +9296,11 @@
           <a:bodyPr/>
           <a:lstStyle/>
           <a:p>
-            <a:endParaRPr lang="en-US"/>
+            <a:r>
+              <a:rPr lang="en-US" dirty="0" smtClean="0"/>
+              <a:t>We are consultants presenting it to executives</a:t>
+            </a:r>
+            <a:endParaRPr lang="en-US" dirty="0"/>
           </a:p>
         </p:txBody>
       </p:sp>
